--- a/Flask prezentacija.pptx
+++ b/Flask prezentacija.pptx
@@ -5927,12 +5927,273 @@
             <p:ph idx="1"/>
           </p:nvPr>
         </p:nvSpPr>
-        <p:spPr/>
+        <p:spPr>
+          <a:xfrm>
+            <a:off x="457200" y="1524000"/>
+            <a:ext cx="8229600" cy="4953000"/>
+          </a:xfrm>
+        </p:spPr>
         <p:txBody>
-          <a:bodyPr/>
+          <a:bodyPr>
+            <a:normAutofit fontScale="85000" lnSpcReduction="20000"/>
+          </a:bodyPr>
           <a:lstStyle/>
           <a:p>
-            <a:endParaRPr lang="en-US"/>
+            <a:r>
+              <a:rPr lang="en-US" dirty="0" err="1" smtClean="0"/>
+              <a:t>Šta</a:t>
+            </a:r>
+            <a:r>
+              <a:rPr lang="en-US" dirty="0" smtClean="0"/>
+              <a:t> je Flask i </a:t>
+            </a:r>
+            <a:r>
+              <a:rPr lang="en-US" dirty="0" err="1" smtClean="0"/>
+              <a:t>zašto</a:t>
+            </a:r>
+            <a:r>
+              <a:rPr lang="en-US" dirty="0" smtClean="0"/>
+              <a:t> se </a:t>
+            </a:r>
+            <a:r>
+              <a:rPr lang="en-US" dirty="0" err="1" smtClean="0"/>
+              <a:t>koristi</a:t>
+            </a:r>
+            <a:endParaRPr lang="en-US" dirty="0" smtClean="0"/>
+          </a:p>
+          <a:p>
+            <a:r>
+              <a:rPr lang="en-US" dirty="0" err="1" smtClean="0"/>
+              <a:t>Ključne</a:t>
+            </a:r>
+            <a:r>
+              <a:rPr lang="en-US" dirty="0" smtClean="0"/>
+              <a:t> </a:t>
+            </a:r>
+            <a:r>
+              <a:rPr lang="en-US" dirty="0" err="1" smtClean="0"/>
+              <a:t>karakteristike</a:t>
+            </a:r>
+            <a:endParaRPr lang="en-US" dirty="0" smtClean="0"/>
+          </a:p>
+          <a:p>
+            <a:r>
+              <a:rPr lang="en-US" dirty="0" err="1" smtClean="0"/>
+              <a:t>Konkurentska</a:t>
+            </a:r>
+            <a:r>
+              <a:rPr lang="en-US" dirty="0" smtClean="0"/>
+              <a:t> </a:t>
+            </a:r>
+            <a:r>
+              <a:rPr lang="en-US" dirty="0" err="1" smtClean="0"/>
+              <a:t>rešenja</a:t>
+            </a:r>
+            <a:r>
+              <a:rPr lang="en-US" dirty="0" smtClean="0"/>
+              <a:t> – </a:t>
+            </a:r>
+            <a:r>
+              <a:rPr lang="en-US" dirty="0" err="1" smtClean="0"/>
+              <a:t>Django</a:t>
+            </a:r>
+            <a:endParaRPr lang="en-US" dirty="0" smtClean="0"/>
+          </a:p>
+          <a:p>
+            <a:r>
+              <a:rPr lang="en-US" dirty="0" err="1" smtClean="0"/>
+              <a:t>Instalacija</a:t>
+            </a:r>
+            <a:r>
+              <a:rPr lang="en-US" dirty="0" smtClean="0"/>
+              <a:t> i </a:t>
+            </a:r>
+            <a:r>
+              <a:rPr lang="en-US" dirty="0" err="1" smtClean="0"/>
+              <a:t>kreiranje</a:t>
+            </a:r>
+            <a:r>
+              <a:rPr lang="en-US" dirty="0" smtClean="0"/>
+              <a:t> </a:t>
+            </a:r>
+            <a:r>
+              <a:rPr lang="en-US" dirty="0" err="1" smtClean="0"/>
+              <a:t>projekta</a:t>
+            </a:r>
+            <a:endParaRPr lang="en-US" dirty="0" smtClean="0"/>
+          </a:p>
+          <a:p>
+            <a:r>
+              <a:rPr lang="en-US" dirty="0" err="1" smtClean="0"/>
+              <a:t>Fajl</a:t>
+            </a:r>
+            <a:r>
+              <a:rPr lang="en-US" dirty="0" smtClean="0"/>
+              <a:t> </a:t>
+            </a:r>
+            <a:r>
+              <a:rPr lang="en-US" dirty="0" err="1" smtClean="0"/>
+              <a:t>struktura</a:t>
+            </a:r>
+            <a:r>
+              <a:rPr lang="en-US" dirty="0" smtClean="0"/>
+              <a:t> </a:t>
+            </a:r>
+            <a:r>
+              <a:rPr lang="en-US" dirty="0" err="1" smtClean="0"/>
+              <a:t>gotovog</a:t>
+            </a:r>
+            <a:r>
+              <a:rPr lang="en-US" dirty="0" smtClean="0"/>
+              <a:t> </a:t>
+            </a:r>
+            <a:r>
+              <a:rPr lang="en-US" dirty="0" err="1" smtClean="0"/>
+              <a:t>projekta</a:t>
+            </a:r>
+            <a:endParaRPr lang="en-US" dirty="0" smtClean="0"/>
+          </a:p>
+          <a:p>
+            <a:r>
+              <a:rPr lang="en-US" dirty="0" smtClean="0"/>
+              <a:t>Templates i static</a:t>
+            </a:r>
+          </a:p>
+          <a:p>
+            <a:r>
+              <a:rPr lang="en-US" dirty="0" smtClean="0"/>
+              <a:t>Jinja2 </a:t>
+            </a:r>
+            <a:r>
+              <a:rPr lang="en-US" dirty="0" err="1" smtClean="0"/>
+              <a:t>za</a:t>
+            </a:r>
+            <a:r>
+              <a:rPr lang="en-US" dirty="0" smtClean="0"/>
+              <a:t> </a:t>
+            </a:r>
+            <a:r>
+              <a:rPr lang="en-US" dirty="0" err="1" smtClean="0"/>
+              <a:t>dinamičko</a:t>
+            </a:r>
+            <a:r>
+              <a:rPr lang="en-US" dirty="0" smtClean="0"/>
+              <a:t> </a:t>
+            </a:r>
+            <a:r>
+              <a:rPr lang="en-US" dirty="0" err="1" smtClean="0"/>
+              <a:t>generisanje</a:t>
+            </a:r>
+            <a:r>
+              <a:rPr lang="en-US" dirty="0" smtClean="0"/>
+              <a:t> </a:t>
+            </a:r>
+            <a:r>
+              <a:rPr lang="en-US" dirty="0" err="1" smtClean="0"/>
+              <a:t>stranica</a:t>
+            </a:r>
+            <a:r>
+              <a:rPr lang="en-US" dirty="0" smtClean="0"/>
+              <a:t> i </a:t>
+            </a:r>
+            <a:r>
+              <a:rPr lang="en-US" dirty="0" err="1" smtClean="0"/>
+              <a:t>nasleđivanje</a:t>
+            </a:r>
+            <a:r>
+              <a:rPr lang="en-US" dirty="0" smtClean="0"/>
+              <a:t> </a:t>
+            </a:r>
+            <a:r>
+              <a:rPr lang="en-US" dirty="0" err="1" smtClean="0"/>
+              <a:t>šablona</a:t>
+            </a:r>
+            <a:endParaRPr lang="en-US" dirty="0" smtClean="0"/>
+          </a:p>
+          <a:p>
+            <a:r>
+              <a:rPr lang="en-US" dirty="0" smtClean="0"/>
+              <a:t>Static </a:t>
+            </a:r>
+            <a:r>
+              <a:rPr lang="en-US" dirty="0" err="1" smtClean="0"/>
+              <a:t>fajlovi</a:t>
+            </a:r>
+            <a:endParaRPr lang="en-US" dirty="0" smtClean="0"/>
+          </a:p>
+          <a:p>
+            <a:r>
+              <a:rPr lang="en-US" dirty="0" err="1" smtClean="0"/>
+              <a:t>Rutiranje</a:t>
+            </a:r>
+            <a:endParaRPr lang="en-US" dirty="0" smtClean="0"/>
+          </a:p>
+          <a:p>
+            <a:r>
+              <a:rPr lang="en-US" dirty="0" err="1" smtClean="0"/>
+              <a:t>Baza</a:t>
+            </a:r>
+            <a:r>
+              <a:rPr lang="en-US" dirty="0" smtClean="0"/>
+              <a:t> </a:t>
+            </a:r>
+            <a:r>
+              <a:rPr lang="en-US" dirty="0" err="1" smtClean="0"/>
+              <a:t>podataka</a:t>
+            </a:r>
+            <a:endParaRPr lang="en-US" dirty="0" smtClean="0"/>
+          </a:p>
+          <a:p>
+            <a:r>
+              <a:rPr lang="en-US" dirty="0" err="1" smtClean="0"/>
+              <a:t>Podešavanje</a:t>
+            </a:r>
+            <a:r>
+              <a:rPr lang="en-US" dirty="0" smtClean="0"/>
+              <a:t> </a:t>
+            </a:r>
+            <a:r>
+              <a:rPr lang="en-US" dirty="0" err="1" smtClean="0"/>
+              <a:t>baze</a:t>
+            </a:r>
+            <a:r>
+              <a:rPr lang="en-US" dirty="0" smtClean="0"/>
+              <a:t> u </a:t>
+            </a:r>
+            <a:r>
+              <a:rPr lang="en-US" dirty="0" err="1" smtClean="0"/>
+              <a:t>projektu</a:t>
+            </a:r>
+            <a:endParaRPr lang="en-US" dirty="0" smtClean="0"/>
+          </a:p>
+          <a:p>
+            <a:r>
+              <a:rPr lang="en-US" dirty="0" err="1" smtClean="0"/>
+              <a:t>Modeli</a:t>
+            </a:r>
+            <a:endParaRPr lang="en-US" dirty="0" smtClean="0"/>
+          </a:p>
+          <a:p>
+            <a:r>
+              <a:rPr lang="en-US" dirty="0" smtClean="0"/>
+              <a:t>CRUD </a:t>
+            </a:r>
+            <a:r>
+              <a:rPr lang="en-US" dirty="0" err="1" smtClean="0"/>
+              <a:t>operacije</a:t>
+            </a:r>
+            <a:endParaRPr lang="en-US" dirty="0" smtClean="0"/>
+          </a:p>
+          <a:p>
+            <a:r>
+              <a:rPr lang="en-US" dirty="0" smtClean="0"/>
+              <a:t>Flask </a:t>
+            </a:r>
+            <a:r>
+              <a:rPr lang="en-US" dirty="0" err="1" smtClean="0"/>
+              <a:t>WTForms</a:t>
+            </a:r>
+            <a:endParaRPr lang="en-US" dirty="0"/>
           </a:p>
         </p:txBody>
       </p:sp>
@@ -7557,7 +7818,6 @@
               <a:rPr lang="en-US" dirty="0"/>
               <a:t> </a:t>
             </a:r>
-            <a:endParaRPr lang="en-US" dirty="0"/>
           </a:p>
           <a:p>
             <a:pPr lvl="1"/>
@@ -9803,11 +10063,7 @@
             </a:r>
             <a:r>
               <a:rPr lang="en-US" dirty="0"/>
-              <a:t> </a:t>
-            </a:r>
-            <a:r>
-              <a:rPr lang="en-US" dirty="0"/>
-              <a:t>windows-u: </a:t>
+              <a:t> windows-u: </a:t>
             </a:r>
             <a:r>
               <a:rPr lang="en-US" dirty="0" err="1"/>
@@ -10084,7 +10340,6 @@
               <a:rPr lang="en-US" dirty="0"/>
               <a:t> </a:t>
             </a:r>
-            <a:endParaRPr lang="en-US" dirty="0"/>
           </a:p>
           <a:p>
             <a:pPr marL="0" indent="0">
@@ -10146,15 +10401,7 @@
             </a:r>
             <a:r>
               <a:rPr lang="en-US" dirty="0"/>
-              <a:t> </a:t>
-            </a:r>
-            <a:r>
-              <a:rPr lang="en-US" dirty="0"/>
-              <a:t>python app.py</a:t>
-            </a:r>
-            <a:r>
-              <a:rPr lang="en-US" dirty="0"/>
-              <a:t> i </a:t>
+              <a:t> python app.py i </a:t>
             </a:r>
             <a:r>
               <a:rPr lang="en-US" dirty="0" err="1"/>
